--- a/examples/Auction.pptx
+++ b/examples/Auction.pptx
@@ -337,7 +337,7 @@
           <a:p>
             <a:fld id="{E1C00F59-B222-8A49-9344-F2FD70988866}" type="datetimeFigureOut">
               <a:rPr lang="en-US" smtClean="0"/>
-              <a:t>6/6/18</a:t>
+              <a:t>6/8/18</a:t>
             </a:fld>
             <a:endParaRPr lang="en-US"/>
           </a:p>
@@ -507,7 +507,7 @@
           <a:p>
             <a:fld id="{E1C00F59-B222-8A49-9344-F2FD70988866}" type="datetimeFigureOut">
               <a:rPr lang="en-US" smtClean="0"/>
-              <a:t>6/6/18</a:t>
+              <a:t>6/8/18</a:t>
             </a:fld>
             <a:endParaRPr lang="en-US"/>
           </a:p>
@@ -687,7 +687,7 @@
           <a:p>
             <a:fld id="{E1C00F59-B222-8A49-9344-F2FD70988866}" type="datetimeFigureOut">
               <a:rPr lang="en-US" smtClean="0"/>
-              <a:t>6/6/18</a:t>
+              <a:t>6/8/18</a:t>
             </a:fld>
             <a:endParaRPr lang="en-US"/>
           </a:p>
@@ -857,7 +857,7 @@
           <a:p>
             <a:fld id="{E1C00F59-B222-8A49-9344-F2FD70988866}" type="datetimeFigureOut">
               <a:rPr lang="en-US" smtClean="0"/>
-              <a:t>6/6/18</a:t>
+              <a:t>6/8/18</a:t>
             </a:fld>
             <a:endParaRPr lang="en-US"/>
           </a:p>
@@ -1115,7 +1115,7 @@
           <a:p>
             <a:fld id="{E1C00F59-B222-8A49-9344-F2FD70988866}" type="datetimeFigureOut">
               <a:rPr lang="en-US" smtClean="0"/>
-              <a:t>6/6/18</a:t>
+              <a:t>6/8/18</a:t>
             </a:fld>
             <a:endParaRPr lang="en-US"/>
           </a:p>
@@ -1403,7 +1403,7 @@
           <a:p>
             <a:fld id="{E1C00F59-B222-8A49-9344-F2FD70988866}" type="datetimeFigureOut">
               <a:rPr lang="en-US" smtClean="0"/>
-              <a:t>6/6/18</a:t>
+              <a:t>6/8/18</a:t>
             </a:fld>
             <a:endParaRPr lang="en-US"/>
           </a:p>
@@ -1845,7 +1845,7 @@
           <a:p>
             <a:fld id="{E1C00F59-B222-8A49-9344-F2FD70988866}" type="datetimeFigureOut">
               <a:rPr lang="en-US" smtClean="0"/>
-              <a:t>6/6/18</a:t>
+              <a:t>6/8/18</a:t>
             </a:fld>
             <a:endParaRPr lang="en-US"/>
           </a:p>
@@ -1963,7 +1963,7 @@
           <a:p>
             <a:fld id="{E1C00F59-B222-8A49-9344-F2FD70988866}" type="datetimeFigureOut">
               <a:rPr lang="en-US" smtClean="0"/>
-              <a:t>6/6/18</a:t>
+              <a:t>6/8/18</a:t>
             </a:fld>
             <a:endParaRPr lang="en-US"/>
           </a:p>
@@ -2058,7 +2058,7 @@
           <a:p>
             <a:fld id="{E1C00F59-B222-8A49-9344-F2FD70988866}" type="datetimeFigureOut">
               <a:rPr lang="en-US" smtClean="0"/>
-              <a:t>6/6/18</a:t>
+              <a:t>6/8/18</a:t>
             </a:fld>
             <a:endParaRPr lang="en-US"/>
           </a:p>
@@ -2346,7 +2346,7 @@
           <a:p>
             <a:fld id="{E1C00F59-B222-8A49-9344-F2FD70988866}" type="datetimeFigureOut">
               <a:rPr lang="en-US" smtClean="0"/>
-              <a:t>6/6/18</a:t>
+              <a:t>6/8/18</a:t>
             </a:fld>
             <a:endParaRPr lang="en-US"/>
           </a:p>
@@ -2619,7 +2619,7 @@
           <a:p>
             <a:fld id="{E1C00F59-B222-8A49-9344-F2FD70988866}" type="datetimeFigureOut">
               <a:rPr lang="en-US" smtClean="0"/>
-              <a:t>6/6/18</a:t>
+              <a:t>6/8/18</a:t>
             </a:fld>
             <a:endParaRPr lang="en-US"/>
           </a:p>
@@ -2916,7 +2916,7 @@
           <a:p>
             <a:fld id="{E1C00F59-B222-8A49-9344-F2FD70988866}" type="datetimeFigureOut">
               <a:rPr lang="en-US" smtClean="0"/>
-              <a:t>6/6/18</a:t>
+              <a:t>6/8/18</a:t>
             </a:fld>
             <a:endParaRPr lang="en-US"/>
           </a:p>
@@ -3663,10 +3663,10 @@
       </p:sp>
       <p:pic>
         <p:nvPicPr>
-          <p:cNvPr id="5" name="Picture 4">
+          <p:cNvPr id="6" name="Picture 5">
             <a:extLst>
               <a:ext uri="{FF2B5EF4-FFF2-40B4-BE49-F238E27FC236}">
-                <a16:creationId xmlns:a16="http://schemas.microsoft.com/office/drawing/2014/main" id="{477FEC16-3694-D04B-8936-BC543D4AE17A}"/>
+                <a16:creationId xmlns:a16="http://schemas.microsoft.com/office/drawing/2014/main" id="{3CCCB106-E676-BF45-B0AD-307347FBB11A}"/>
               </a:ext>
             </a:extLst>
           </p:cNvPr>
@@ -3689,8 +3689,8 @@
         </p:blipFill>
         <p:spPr>
           <a:xfrm>
-            <a:off x="1733198" y="2312905"/>
-            <a:ext cx="5726907" cy="3817938"/>
+            <a:off x="1683895" y="2229660"/>
+            <a:ext cx="5833812" cy="3746855"/>
           </a:xfrm>
           <a:prstGeom prst="rect">
             <a:avLst/>
@@ -3919,7 +3919,7 @@
         <p:spPr>
           <a:xfrm>
             <a:off x="3945906" y="1415071"/>
-            <a:ext cx="7371183" cy="4985980"/>
+            <a:ext cx="7371183" cy="4678204"/>
           </a:xfrm>
           <a:prstGeom prst="rect">
             <a:avLst/>
@@ -3982,35 +3982,6 @@
             <a:r>
               <a:rPr lang="en-US" sz="2000" dirty="0"/>
               <a:t>I will perform economic functions to produce or consume</a:t>
-            </a:r>
-          </a:p>
-          <a:p>
-            <a:pPr marL="914400" lvl="1" indent="-457200">
-              <a:buFont typeface="+mj-lt"/>
-              <a:buAutoNum type="arabicPeriod"/>
-            </a:pPr>
-            <a:r>
-              <a:rPr lang="en-US" sz="2000" dirty="0"/>
-              <a:t>If I have enough cash, I will </a:t>
-            </a:r>
-            <a:r>
-              <a:rPr lang="en-US" sz="2000" dirty="0">
-                <a:latin typeface="Arial" panose="020B0604020202020204" pitchFamily="34" charset="0"/>
-                <a:cs typeface="Arial" panose="020B0604020202020204" pitchFamily="34" charset="0"/>
-              </a:rPr>
-              <a:t>hatch </a:t>
-            </a:r>
-            <a:r>
-              <a:rPr lang="en-US" sz="2000" dirty="0">
-                <a:latin typeface="Arial" panose="020B0604020202020204" pitchFamily="34" charset="0"/>
-                <a:ea typeface="Apple Color Emoji" pitchFamily="2" charset="0"/>
-                <a:cs typeface="Arial" panose="020B0604020202020204" pitchFamily="34" charset="0"/>
-              </a:rPr>
-              <a:t>1 </a:t>
-            </a:r>
-            <a:r>
-              <a:rPr lang="en-US" sz="2000" dirty="0"/>
-              <a:t>with a new trade price</a:t>
             </a:r>
           </a:p>
           <a:p>
